--- a/notebooks/report/Students_Performance.pptx
+++ b/notebooks/report/Students_Performance.pptx
@@ -7006,7 +7006,7 @@
           <a:p>
             <a:fld id="{12241623-A064-4BED-B073-BA4D61433402}" type="datetime1">
               <a:rPr lang="en-US" smtClean="0"/>
-              <a:t>11/4/21</a:t>
+              <a:t>11/26/21</a:t>
             </a:fld>
             <a:endParaRPr lang="en-US" dirty="0"/>
           </a:p>
@@ -7817,7 +7817,7 @@
           <a:p>
             <a:fld id="{6F86ED0C-1DA7-41F0-94CF-6218B1FEDFF1}" type="datetime1">
               <a:rPr lang="en-US" smtClean="0"/>
-              <a:t>11/4/21</a:t>
+              <a:t>11/26/21</a:t>
             </a:fld>
             <a:endParaRPr lang="en-US" dirty="0"/>
           </a:p>
@@ -8016,7 +8016,7 @@
           <a:p>
             <a:fld id="{EECF02AB-6034-4B88-BC5A-7C17CB0EF809}" type="datetime1">
               <a:rPr lang="en-US" smtClean="0"/>
-              <a:t>11/4/21</a:t>
+              <a:t>11/26/21</a:t>
             </a:fld>
             <a:endParaRPr lang="en-US" dirty="0"/>
           </a:p>
@@ -8251,7 +8251,7 @@
           <a:p>
             <a:fld id="{22F3E5F3-28EE-488F-BD53-B744C06C3DEC}" type="datetime1">
               <a:rPr lang="en-US" smtClean="0"/>
-              <a:t>11/4/21</a:t>
+              <a:t>11/26/21</a:t>
             </a:fld>
             <a:endParaRPr lang="en-US" dirty="0"/>
           </a:p>
@@ -10944,7 +10944,7 @@
           <a:p>
             <a:fld id="{E72EB70D-CD01-44DA-83B3-8FEB3383D307}" type="datetime1">
               <a:rPr lang="en-US" smtClean="0"/>
-              <a:t>11/4/21</a:t>
+              <a:t>11/26/21</a:t>
             </a:fld>
             <a:endParaRPr lang="en-US" dirty="0"/>
           </a:p>
@@ -11140,7 +11140,7 @@
           <a:p>
             <a:fld id="{D0158CFD-9357-46BE-A189-D637A67C8730}" type="datetime1">
               <a:rPr lang="en-US" smtClean="0"/>
-              <a:t>11/4/21</a:t>
+              <a:t>11/26/21</a:t>
             </a:fld>
             <a:endParaRPr lang="en-US" dirty="0"/>
           </a:p>
@@ -11529,7 +11529,7 @@
           <a:p>
             <a:fld id="{7B4742EE-B331-4632-BD10-A82FED6B6FC0}" type="datetime1">
               <a:rPr lang="en-US" smtClean="0"/>
-              <a:t>11/4/21</a:t>
+              <a:t>11/26/21</a:t>
             </a:fld>
             <a:endParaRPr lang="en-US" dirty="0"/>
           </a:p>
@@ -11695,7 +11695,7 @@
           <a:p>
             <a:fld id="{451BA835-D13F-49F4-8F11-5D576AC65FAD}" type="datetime1">
               <a:rPr lang="en-US" smtClean="0"/>
-              <a:t>11/4/21</a:t>
+              <a:t>11/26/21</a:t>
             </a:fld>
             <a:endParaRPr lang="en-US" dirty="0"/>
           </a:p>
@@ -11818,7 +11818,7 @@
           <a:p>
             <a:fld id="{ADBD1799-ACB5-4CB2-86A2-5C574F1C8706}" type="datetime1">
               <a:rPr lang="en-US" smtClean="0"/>
-              <a:t>11/4/21</a:t>
+              <a:t>11/26/21</a:t>
             </a:fld>
             <a:endParaRPr lang="en-US" dirty="0"/>
           </a:p>
@@ -12128,7 +12128,7 @@
           <a:p>
             <a:fld id="{ED5DD0D6-7A82-473E-879B-C6ECD6CCCFEC}" type="datetime1">
               <a:rPr lang="en-US" smtClean="0"/>
-              <a:t>11/4/21</a:t>
+              <a:t>11/26/21</a:t>
             </a:fld>
             <a:endParaRPr lang="en-US" dirty="0"/>
           </a:p>
@@ -12428,7 +12428,7 @@
           <a:p>
             <a:fld id="{D4605E03-BC17-41A7-854C-DFAB672737DC}" type="datetime1">
               <a:rPr lang="en-US" smtClean="0"/>
-              <a:t>11/4/21</a:t>
+              <a:t>11/26/21</a:t>
             </a:fld>
             <a:endParaRPr lang="en-US" dirty="0"/>
           </a:p>
@@ -12680,7 +12680,7 @@
           <a:p>
             <a:fld id="{C4408324-A84C-4A45-93B6-78D079CCE772}" type="datetime1">
               <a:rPr lang="en-US" smtClean="0"/>
-              <a:t>11/4/21</a:t>
+              <a:t>11/26/21</a:t>
             </a:fld>
             <a:endParaRPr lang="en-US" dirty="0"/>
           </a:p>
@@ -16838,17 +16838,7 @@
             </a:pPr>
             <a:r>
               <a:rPr lang="en-US" dirty="0"/>
-              <a:t>Academies are interested in gaining knowledge of students' outcomes ahead.</a:t>
-            </a:r>
-          </a:p>
-          <a:p>
-            <a:pPr marL="285750" indent="-285750">
-              <a:buFont typeface="Arial" panose="020B0604020202020204" pitchFamily="34" charset="0"/>
-              <a:buChar char="•"/>
-            </a:pPr>
-            <a:r>
-              <a:rPr lang="en-US" dirty="0"/>
-              <a:t> </a:t>
+              <a:t>Academies are interested in gaining knowledge of students' outcomes ahead. </a:t>
             </a:r>
           </a:p>
         </p:txBody>
@@ -19589,8 +19579,8 @@
         </p:nvSpPr>
         <p:spPr>
           <a:xfrm>
-            <a:off x="5686816" y="383059"/>
-            <a:ext cx="5999968" cy="5371697"/>
+            <a:off x="5686815" y="383059"/>
+            <a:ext cx="6149013" cy="5371697"/>
           </a:xfrm>
         </p:spPr>
         <p:txBody>
@@ -19609,112 +19599,148 @@
             </a:r>
           </a:p>
           <a:p>
-            <a:r>
-              <a:rPr lang="en-US" sz="1700" dirty="0" err="1"/>
-              <a:t>code_module</a:t>
-            </a:r>
+            <a:pPr marL="342900" indent="-342900">
+              <a:buFont typeface="+mj-lt"/>
+              <a:buAutoNum type="arabicPeriod"/>
+            </a:pPr>
             <a:r>
               <a:rPr lang="en-US" sz="1700" dirty="0"/>
-              <a:t> </a:t>
+              <a:t>Course ID</a:t>
             </a:r>
           </a:p>
           <a:p>
+            <a:pPr marL="342900" indent="-342900">
+              <a:buFont typeface="+mj-lt"/>
+              <a:buAutoNum type="arabicPeriod"/>
+            </a:pPr>
             <a:r>
-              <a:rPr lang="en-US" sz="1700" dirty="0" err="1"/>
-              <a:t>date_registration</a:t>
+              <a:rPr lang="en-US" sz="1700" dirty="0"/>
+              <a:t>Date of registration</a:t>
             </a:r>
+          </a:p>
+          <a:p>
+            <a:pPr marL="342900" indent="-342900">
+              <a:buFont typeface="+mj-lt"/>
+              <a:buAutoNum type="arabicPeriod"/>
+            </a:pPr>
+            <a:r>
+              <a:rPr lang="en-US" sz="1700" dirty="0"/>
+              <a:t>Number of clicks on VLE</a:t>
+            </a:r>
+          </a:p>
+          <a:p>
+            <a:pPr marL="342900" indent="-342900">
+              <a:buFont typeface="+mj-lt"/>
+              <a:buAutoNum type="arabicPeriod"/>
+            </a:pPr>
+            <a:r>
+              <a:rPr lang="en-US" sz="1700" dirty="0"/>
+              <a:t>Gender</a:t>
+            </a:r>
+          </a:p>
+          <a:p>
+            <a:pPr marL="342900" indent="-342900">
+              <a:buFont typeface="+mj-lt"/>
+              <a:buAutoNum type="arabicPeriod"/>
+            </a:pPr>
+            <a:r>
+              <a:rPr lang="en-US" sz="1700" dirty="0"/>
+              <a:t>Region</a:t>
+            </a:r>
+          </a:p>
+          <a:p>
+            <a:pPr marL="342900" indent="-342900">
+              <a:buFont typeface="+mj-lt"/>
+              <a:buAutoNum type="arabicPeriod"/>
+            </a:pPr>
+            <a:r>
+              <a:rPr lang="en-US" sz="1700" dirty="0"/>
+              <a:t>Highest education </a:t>
+            </a:r>
+          </a:p>
+          <a:p>
+            <a:pPr marL="342900" indent="-342900">
+              <a:buFont typeface="+mj-lt"/>
+              <a:buAutoNum type="arabicPeriod"/>
+            </a:pPr>
+            <a:r>
+              <a:rPr lang="en-US" sz="1700" dirty="0"/>
+              <a:t>Index of Multiple Deprivation</a:t>
+            </a:r>
+          </a:p>
+          <a:p>
+            <a:pPr marL="342900" indent="-342900">
+              <a:buFont typeface="+mj-lt"/>
+              <a:buAutoNum type="arabicPeriod"/>
+            </a:pPr>
             <a:endParaRPr lang="en-US" sz="1700" dirty="0"/>
           </a:p>
           <a:p>
-            <a:r>
-              <a:rPr lang="en-US" sz="1700" dirty="0" err="1"/>
-              <a:t>sum_click</a:t>
-            </a:r>
+            <a:pPr marL="342900" indent="-342900">
+              <a:buFont typeface="+mj-lt"/>
+              <a:buAutoNum type="arabicPeriod"/>
+            </a:pPr>
             <a:endParaRPr lang="en-US" sz="1700" dirty="0"/>
           </a:p>
           <a:p>
+            <a:pPr marL="460375" indent="-338138">
+              <a:buFont typeface="+mj-lt"/>
+              <a:buAutoNum type="arabicPeriod"/>
+            </a:pPr>
             <a:r>
               <a:rPr lang="en-US" sz="1700" dirty="0"/>
-              <a:t>gender</a:t>
+              <a:t>Age</a:t>
             </a:r>
           </a:p>
           <a:p>
+            <a:pPr marL="460375" indent="-338138">
+              <a:buFont typeface="+mj-lt"/>
+              <a:buAutoNum type="arabicPeriod"/>
+            </a:pPr>
             <a:r>
               <a:rPr lang="en-US" sz="1700" dirty="0"/>
-              <a:t>region</a:t>
+              <a:t>Number of attempts</a:t>
             </a:r>
           </a:p>
           <a:p>
-            <a:r>
-              <a:rPr lang="en-US" sz="1700" dirty="0" err="1"/>
-              <a:t>highest_education</a:t>
-            </a:r>
+            <a:pPr marL="460375" indent="-338138">
+              <a:buFont typeface="+mj-lt"/>
+              <a:buAutoNum type="arabicPeriod"/>
+            </a:pPr>
             <a:r>
               <a:rPr lang="en-US" sz="1700" dirty="0"/>
-              <a:t> </a:t>
+              <a:t>Studied credits</a:t>
             </a:r>
           </a:p>
           <a:p>
-            <a:r>
-              <a:rPr lang="en-US" sz="1700" dirty="0" err="1"/>
-              <a:t>imd_band</a:t>
-            </a:r>
-            <a:endParaRPr lang="en-US" sz="1700" dirty="0"/>
-          </a:p>
-          <a:p>
-            <a:endParaRPr lang="en-US" sz="1700" dirty="0"/>
-          </a:p>
-          <a:p>
-            <a:endParaRPr lang="en-US" sz="1700" dirty="0"/>
-          </a:p>
-          <a:p>
-            <a:endParaRPr lang="en-US" sz="1700" dirty="0"/>
-          </a:p>
-          <a:p>
-            <a:endParaRPr lang="en-US" sz="1700" dirty="0"/>
-          </a:p>
-          <a:p>
-            <a:r>
-              <a:rPr lang="en-US" sz="1700" dirty="0" err="1"/>
-              <a:t>age_band</a:t>
-            </a:r>
-            <a:endParaRPr lang="en-US" sz="1700" dirty="0"/>
-          </a:p>
-          <a:p>
+            <a:pPr marL="460375" indent="-338138">
+              <a:buFont typeface="+mj-lt"/>
+              <a:buAutoNum type="arabicPeriod"/>
+            </a:pPr>
             <a:r>
               <a:rPr lang="en-US" sz="1700" dirty="0"/>
-              <a:t>attempts</a:t>
+              <a:t>Disability </a:t>
             </a:r>
           </a:p>
           <a:p>
-            <a:r>
-              <a:rPr lang="en-US" sz="1700" dirty="0" err="1"/>
-              <a:t>studied_credits</a:t>
-            </a:r>
-            <a:endParaRPr lang="en-US" sz="1700" dirty="0"/>
-          </a:p>
-          <a:p>
+            <a:pPr marL="460375" indent="-338138">
+              <a:buFont typeface="+mj-lt"/>
+              <a:buAutoNum type="arabicPeriod"/>
+            </a:pPr>
             <a:r>
               <a:rPr lang="en-US" sz="1700" dirty="0"/>
-              <a:t>disability </a:t>
+              <a:t>Mean score of assessments </a:t>
             </a:r>
           </a:p>
           <a:p>
-            <a:r>
-              <a:rPr lang="en-US" sz="1700" dirty="0" err="1"/>
-              <a:t>mean_score</a:t>
-            </a:r>
+            <a:pPr marL="460375" indent="-338138">
+              <a:buFont typeface="+mj-lt"/>
+              <a:buAutoNum type="arabicPeriod"/>
+            </a:pPr>
             <a:r>
               <a:rPr lang="en-US" sz="1700" dirty="0"/>
-              <a:t> </a:t>
+              <a:t>Length of the course</a:t>
             </a:r>
-          </a:p>
-          <a:p>
-            <a:r>
-              <a:rPr lang="en-US" sz="1700" dirty="0" err="1"/>
-              <a:t>course_length</a:t>
-            </a:r>
-            <a:endParaRPr lang="en-US" sz="1700" dirty="0"/>
           </a:p>
           <a:p>
             <a:endParaRPr lang="en-US" sz="1700" dirty="0"/>
@@ -19736,7 +19762,7 @@
         <p:spPr>
           <a:xfrm>
             <a:off x="6838256" y="5385424"/>
-            <a:ext cx="2746521" cy="369332"/>
+            <a:ext cx="2682401" cy="369332"/>
           </a:xfrm>
           <a:prstGeom prst="rect">
             <a:avLst/>
@@ -19758,10 +19784,9 @@
               <a:t>Target:  </a:t>
             </a:r>
             <a:r>
-              <a:rPr lang="en-US" dirty="0" err="1"/>
-              <a:t>final_result</a:t>
+              <a:rPr lang="en-US" dirty="0"/>
+              <a:t>final result</a:t>
             </a:r>
-            <a:endParaRPr lang="en-US" dirty="0"/>
           </a:p>
         </p:txBody>
       </p:sp>
@@ -20733,7 +20758,23 @@
             </a:pPr>
             <a:r>
               <a:rPr lang="en-US" sz="1400" dirty="0"/>
-              <a:t>With age getting higher, the rate of passing gets high also</a:t>
+              <a:t>With age getting higher, the rate of passing gets higher also</a:t>
+            </a:r>
+          </a:p>
+          <a:p>
+            <a:pPr marL="285750" indent="-285750">
+              <a:lnSpc>
+                <a:spcPct val="130000"/>
+              </a:lnSpc>
+              <a:spcBef>
+                <a:spcPts val="930"/>
+              </a:spcBef>
+              <a:buFont typeface="Arial" panose="020B0604020202020204" pitchFamily="34" charset="0"/>
+              <a:buChar char="•"/>
+            </a:pPr>
+            <a:r>
+              <a:rPr lang="en-US" sz="1400" dirty="0"/>
+              <a:t>Students in 55 and up range have higher values of distinct results</a:t>
             </a:r>
           </a:p>
         </p:txBody>
@@ -21638,6 +21679,49 @@
             <a:r>
               <a:rPr lang="en-US" dirty="0"/>
               <a:t>The lower the level of IMD, the higher is the fail rate.</a:t>
+            </a:r>
+          </a:p>
+        </p:txBody>
+      </p:sp>
+      <p:sp>
+        <p:nvSpPr>
+          <p:cNvPr id="3" name="TextBox 2">
+            <a:extLst>
+              <a:ext uri="{FF2B5EF4-FFF2-40B4-BE49-F238E27FC236}">
+                <a16:creationId xmlns:a16="http://schemas.microsoft.com/office/drawing/2014/main" id="{91373D77-DC76-9A4D-B842-9267AFB14EBF}"/>
+              </a:ext>
+            </a:extLst>
+          </p:cNvPr>
+          <p:cNvSpPr txBox="1"/>
+          <p:nvPr/>
+        </p:nvSpPr>
+        <p:spPr>
+          <a:xfrm>
+            <a:off x="357809" y="5814391"/>
+            <a:ext cx="3746975" cy="646331"/>
+          </a:xfrm>
+          <a:prstGeom prst="rect">
+            <a:avLst/>
+          </a:prstGeom>
+          <a:noFill/>
+        </p:spPr>
+        <p:txBody>
+          <a:bodyPr wrap="square" rtlCol="0">
+            <a:spAutoFit/>
+          </a:bodyPr>
+          <a:lstStyle/>
+          <a:p>
+            <a:r>
+              <a:rPr lang="en-US" sz="1200" b="1" dirty="0"/>
+              <a:t>Note:  Index of Multiple Deprivation (IMD) - </a:t>
+            </a:r>
+            <a:r>
+              <a:rPr lang="en-US" sz="1200" dirty="0"/>
+              <a:t>is the official measure of relative deprivation for small areas in England.</a:t>
+            </a:r>
+            <a:r>
+              <a:rPr lang="en-US" sz="1200" b="1" dirty="0"/>
+              <a:t> </a:t>
             </a:r>
           </a:p>
         </p:txBody>
